--- a/Sem2/Assignment/regex.pptx
+++ b/Sem2/Assignment/regex.pptx
@@ -1545,11 +1545,11 @@
   <p:clrMapOvr>
     <a:masterClrMapping/>
   </p:clrMapOvr>
-  <mc:AlternateContent xmlns:mc="http://schemas.openxmlformats.org/markup-compatibility/2006">
-    <mc:Choice xmlns:p14="http://schemas.microsoft.com/office/powerpoint/2010/main" Requires="p14">
+  <mc:AlternateContent xmlns:mc="http://schemas.openxmlformats.org/markup-compatibility/2006" xmlns:p14="http://schemas.microsoft.com/office/powerpoint/2010/main">
+    <mc:Choice Requires="p14">
       <p:transition spd="slow" p14:dur="2000"/>
     </mc:Choice>
-    <mc:Fallback>
+    <mc:Fallback xmlns="">
       <p:transition spd="slow"/>
     </mc:Fallback>
   </mc:AlternateContent>
@@ -1658,11 +1658,11 @@
   <p:clrMapOvr>
     <a:masterClrMapping/>
   </p:clrMapOvr>
-  <mc:AlternateContent xmlns:mc="http://schemas.openxmlformats.org/markup-compatibility/2006">
-    <mc:Choice xmlns:p14="http://schemas.microsoft.com/office/powerpoint/2010/main" Requires="p14">
+  <mc:AlternateContent xmlns:mc="http://schemas.openxmlformats.org/markup-compatibility/2006" xmlns:p14="http://schemas.microsoft.com/office/powerpoint/2010/main">
+    <mc:Choice Requires="p14">
       <p:transition spd="slow" p14:dur="2000"/>
     </mc:Choice>
-    <mc:Fallback>
+    <mc:Fallback xmlns="">
       <p:transition spd="slow"/>
     </mc:Fallback>
   </mc:AlternateContent>
@@ -1781,11 +1781,11 @@
   <p:clrMapOvr>
     <a:masterClrMapping/>
   </p:clrMapOvr>
-  <mc:AlternateContent xmlns:mc="http://schemas.openxmlformats.org/markup-compatibility/2006">
-    <mc:Choice xmlns:p14="http://schemas.microsoft.com/office/powerpoint/2010/main" Requires="p14">
+  <mc:AlternateContent xmlns:mc="http://schemas.openxmlformats.org/markup-compatibility/2006" xmlns:p14="http://schemas.microsoft.com/office/powerpoint/2010/main">
+    <mc:Choice Requires="p14">
       <p:transition spd="slow" p14:dur="2000"/>
     </mc:Choice>
-    <mc:Fallback>
+    <mc:Fallback xmlns="">
       <p:transition spd="slow"/>
     </mc:Fallback>
   </mc:AlternateContent>
@@ -1979,11 +1979,11 @@
   <p:clrMapOvr>
     <a:masterClrMapping/>
   </p:clrMapOvr>
-  <mc:AlternateContent xmlns:mc="http://schemas.openxmlformats.org/markup-compatibility/2006">
-    <mc:Choice xmlns:p14="http://schemas.microsoft.com/office/powerpoint/2010/main" Requires="p14">
+  <mc:AlternateContent xmlns:mc="http://schemas.openxmlformats.org/markup-compatibility/2006" xmlns:p14="http://schemas.microsoft.com/office/powerpoint/2010/main">
+    <mc:Choice Requires="p14">
       <p:transition spd="slow" p14:dur="2000"/>
     </mc:Choice>
-    <mc:Fallback>
+    <mc:Fallback xmlns="">
       <p:transition spd="slow"/>
     </mc:Fallback>
   </mc:AlternateContent>
@@ -2155,11 +2155,11 @@
   <p:clrMapOvr>
     <a:masterClrMapping/>
   </p:clrMapOvr>
-  <mc:AlternateContent xmlns:mc="http://schemas.openxmlformats.org/markup-compatibility/2006">
-    <mc:Choice xmlns:p14="http://schemas.microsoft.com/office/powerpoint/2010/main" Requires="p14">
+  <mc:AlternateContent xmlns:mc="http://schemas.openxmlformats.org/markup-compatibility/2006" xmlns:p14="http://schemas.microsoft.com/office/powerpoint/2010/main">
+    <mc:Choice Requires="p14">
       <p:transition spd="slow" p14:dur="2000"/>
     </mc:Choice>
-    <mc:Fallback>
+    <mc:Fallback xmlns="">
       <p:transition spd="slow"/>
     </mc:Fallback>
   </mc:AlternateContent>
@@ -2407,11 +2407,11 @@
   <p:clrMapOvr>
     <a:masterClrMapping/>
   </p:clrMapOvr>
-  <mc:AlternateContent xmlns:mc="http://schemas.openxmlformats.org/markup-compatibility/2006">
-    <mc:Choice xmlns:p14="http://schemas.microsoft.com/office/powerpoint/2010/main" Requires="p14">
+  <mc:AlternateContent xmlns:mc="http://schemas.openxmlformats.org/markup-compatibility/2006" xmlns:p14="http://schemas.microsoft.com/office/powerpoint/2010/main">
+    <mc:Choice Requires="p14">
       <p:transition spd="slow" p14:dur="2000"/>
     </mc:Choice>
-    <mc:Fallback>
+    <mc:Fallback xmlns="">
       <p:transition spd="slow"/>
     </mc:Fallback>
   </mc:AlternateContent>
@@ -2645,11 +2645,11 @@
   <p:clrMapOvr>
     <a:masterClrMapping/>
   </p:clrMapOvr>
-  <mc:AlternateContent xmlns:mc="http://schemas.openxmlformats.org/markup-compatibility/2006">
-    <mc:Choice xmlns:p14="http://schemas.microsoft.com/office/powerpoint/2010/main" Requires="p14">
+  <mc:AlternateContent xmlns:mc="http://schemas.openxmlformats.org/markup-compatibility/2006" xmlns:p14="http://schemas.microsoft.com/office/powerpoint/2010/main">
+    <mc:Choice Requires="p14">
       <p:transition spd="slow" p14:dur="2000"/>
     </mc:Choice>
-    <mc:Fallback>
+    <mc:Fallback xmlns="">
       <p:transition spd="slow"/>
     </mc:Fallback>
   </mc:AlternateContent>
@@ -3018,11 +3018,11 @@
   <p:clrMapOvr>
     <a:masterClrMapping/>
   </p:clrMapOvr>
-  <mc:AlternateContent xmlns:mc="http://schemas.openxmlformats.org/markup-compatibility/2006">
-    <mc:Choice xmlns:p14="http://schemas.microsoft.com/office/powerpoint/2010/main" Requires="p14">
+  <mc:AlternateContent xmlns:mc="http://schemas.openxmlformats.org/markup-compatibility/2006" xmlns:p14="http://schemas.microsoft.com/office/powerpoint/2010/main">
+    <mc:Choice Requires="p14">
       <p:transition spd="slow" p14:dur="2000"/>
     </mc:Choice>
-    <mc:Fallback>
+    <mc:Fallback xmlns="">
       <p:transition spd="slow"/>
     </mc:Fallback>
   </mc:AlternateContent>
@@ -3142,11 +3142,11 @@
   <p:clrMapOvr>
     <a:masterClrMapping/>
   </p:clrMapOvr>
-  <mc:AlternateContent xmlns:mc="http://schemas.openxmlformats.org/markup-compatibility/2006">
-    <mc:Choice xmlns:p14="http://schemas.microsoft.com/office/powerpoint/2010/main" Requires="p14">
+  <mc:AlternateContent xmlns:mc="http://schemas.openxmlformats.org/markup-compatibility/2006" xmlns:p14="http://schemas.microsoft.com/office/powerpoint/2010/main">
+    <mc:Choice Requires="p14">
       <p:transition spd="slow" p14:dur="2000"/>
     </mc:Choice>
-    <mc:Fallback>
+    <mc:Fallback xmlns="">
       <p:transition spd="slow"/>
     </mc:Fallback>
   </mc:AlternateContent>
@@ -3243,11 +3243,11 @@
   <p:clrMapOvr>
     <a:masterClrMapping/>
   </p:clrMapOvr>
-  <mc:AlternateContent xmlns:mc="http://schemas.openxmlformats.org/markup-compatibility/2006">
-    <mc:Choice xmlns:p14="http://schemas.microsoft.com/office/powerpoint/2010/main" Requires="p14">
+  <mc:AlternateContent xmlns:mc="http://schemas.openxmlformats.org/markup-compatibility/2006" xmlns:p14="http://schemas.microsoft.com/office/powerpoint/2010/main">
+    <mc:Choice Requires="p14">
       <p:transition spd="slow" p14:dur="2000"/>
     </mc:Choice>
-    <mc:Fallback>
+    <mc:Fallback xmlns="">
       <p:transition spd="slow"/>
     </mc:Fallback>
   </mc:AlternateContent>
@@ -3527,11 +3527,11 @@
   <p:clrMapOvr>
     <a:masterClrMapping/>
   </p:clrMapOvr>
-  <mc:AlternateContent xmlns:mc="http://schemas.openxmlformats.org/markup-compatibility/2006">
-    <mc:Choice xmlns:p14="http://schemas.microsoft.com/office/powerpoint/2010/main" Requires="p14">
+  <mc:AlternateContent xmlns:mc="http://schemas.openxmlformats.org/markup-compatibility/2006" xmlns:p14="http://schemas.microsoft.com/office/powerpoint/2010/main">
+    <mc:Choice Requires="p14">
       <p:transition spd="slow" p14:dur="2000"/>
     </mc:Choice>
-    <mc:Fallback>
+    <mc:Fallback xmlns="">
       <p:transition spd="slow"/>
     </mc:Fallback>
   </mc:AlternateContent>
@@ -3640,11 +3640,11 @@
   <p:clrMapOvr>
     <a:masterClrMapping/>
   </p:clrMapOvr>
-  <mc:AlternateContent xmlns:mc="http://schemas.openxmlformats.org/markup-compatibility/2006">
-    <mc:Choice xmlns:p14="http://schemas.microsoft.com/office/powerpoint/2010/main" Requires="p14">
+  <mc:AlternateContent xmlns:mc="http://schemas.openxmlformats.org/markup-compatibility/2006" xmlns:p14="http://schemas.microsoft.com/office/powerpoint/2010/main">
+    <mc:Choice Requires="p14">
       <p:transition spd="slow" p14:dur="2000"/>
     </mc:Choice>
-    <mc:Fallback>
+    <mc:Fallback xmlns="">
       <p:transition spd="slow"/>
     </mc:Fallback>
   </mc:AlternateContent>
@@ -3899,11 +3899,11 @@
   <p:clrMapOvr>
     <a:masterClrMapping/>
   </p:clrMapOvr>
-  <mc:AlternateContent xmlns:mc="http://schemas.openxmlformats.org/markup-compatibility/2006">
-    <mc:Choice xmlns:p14="http://schemas.microsoft.com/office/powerpoint/2010/main" Requires="p14">
+  <mc:AlternateContent xmlns:mc="http://schemas.openxmlformats.org/markup-compatibility/2006" xmlns:p14="http://schemas.microsoft.com/office/powerpoint/2010/main">
+    <mc:Choice Requires="p14">
       <p:transition spd="slow" p14:dur="2000"/>
     </mc:Choice>
-    <mc:Fallback>
+    <mc:Fallback xmlns="">
       <p:transition spd="slow"/>
     </mc:Fallback>
   </mc:AlternateContent>
@@ -4075,11 +4075,11 @@
   <p:clrMapOvr>
     <a:masterClrMapping/>
   </p:clrMapOvr>
-  <mc:AlternateContent xmlns:mc="http://schemas.openxmlformats.org/markup-compatibility/2006">
-    <mc:Choice xmlns:p14="http://schemas.microsoft.com/office/powerpoint/2010/main" Requires="p14">
+  <mc:AlternateContent xmlns:mc="http://schemas.openxmlformats.org/markup-compatibility/2006" xmlns:p14="http://schemas.microsoft.com/office/powerpoint/2010/main">
+    <mc:Choice Requires="p14">
       <p:transition spd="slow" p14:dur="2000"/>
     </mc:Choice>
-    <mc:Fallback>
+    <mc:Fallback xmlns="">
       <p:transition spd="slow"/>
     </mc:Fallback>
   </mc:AlternateContent>
@@ -4261,11 +4261,11 @@
   <p:clrMapOvr>
     <a:masterClrMapping/>
   </p:clrMapOvr>
-  <mc:AlternateContent xmlns:mc="http://schemas.openxmlformats.org/markup-compatibility/2006">
-    <mc:Choice xmlns:p14="http://schemas.microsoft.com/office/powerpoint/2010/main" Requires="p14">
+  <mc:AlternateContent xmlns:mc="http://schemas.openxmlformats.org/markup-compatibility/2006" xmlns:p14="http://schemas.microsoft.com/office/powerpoint/2010/main">
+    <mc:Choice Requires="p14">
       <p:transition spd="slow" p14:dur="2000"/>
     </mc:Choice>
-    <mc:Fallback>
+    <mc:Fallback xmlns="">
       <p:transition spd="slow"/>
     </mc:Fallback>
   </mc:AlternateContent>
@@ -4459,11 +4459,11 @@
   <p:clrMapOvr>
     <a:masterClrMapping/>
   </p:clrMapOvr>
-  <mc:AlternateContent xmlns:mc="http://schemas.openxmlformats.org/markup-compatibility/2006">
-    <mc:Choice xmlns:p14="http://schemas.microsoft.com/office/powerpoint/2010/main" Requires="p14">
+  <mc:AlternateContent xmlns:mc="http://schemas.openxmlformats.org/markup-compatibility/2006" xmlns:p14="http://schemas.microsoft.com/office/powerpoint/2010/main">
+    <mc:Choice Requires="p14">
       <p:transition spd="slow" p14:dur="2000"/>
     </mc:Choice>
-    <mc:Fallback>
+    <mc:Fallback xmlns="">
       <p:transition spd="slow"/>
     </mc:Fallback>
   </mc:AlternateContent>
@@ -4635,11 +4635,11 @@
   <p:clrMapOvr>
     <a:masterClrMapping/>
   </p:clrMapOvr>
-  <mc:AlternateContent xmlns:mc="http://schemas.openxmlformats.org/markup-compatibility/2006">
-    <mc:Choice xmlns:p14="http://schemas.microsoft.com/office/powerpoint/2010/main" Requires="p14">
+  <mc:AlternateContent xmlns:mc="http://schemas.openxmlformats.org/markup-compatibility/2006" xmlns:p14="http://schemas.microsoft.com/office/powerpoint/2010/main">
+    <mc:Choice Requires="p14">
       <p:transition spd="slow" p14:dur="2000"/>
     </mc:Choice>
-    <mc:Fallback>
+    <mc:Fallback xmlns="">
       <p:transition spd="slow"/>
     </mc:Fallback>
   </mc:AlternateContent>
@@ -4887,11 +4887,11 @@
   <p:clrMapOvr>
     <a:masterClrMapping/>
   </p:clrMapOvr>
-  <mc:AlternateContent xmlns:mc="http://schemas.openxmlformats.org/markup-compatibility/2006">
-    <mc:Choice xmlns:p14="http://schemas.microsoft.com/office/powerpoint/2010/main" Requires="p14">
+  <mc:AlternateContent xmlns:mc="http://schemas.openxmlformats.org/markup-compatibility/2006" xmlns:p14="http://schemas.microsoft.com/office/powerpoint/2010/main">
+    <mc:Choice Requires="p14">
       <p:transition spd="slow" p14:dur="2000"/>
     </mc:Choice>
-    <mc:Fallback>
+    <mc:Fallback xmlns="">
       <p:transition spd="slow"/>
     </mc:Fallback>
   </mc:AlternateContent>
@@ -5125,11 +5125,11 @@
   <p:clrMapOvr>
     <a:masterClrMapping/>
   </p:clrMapOvr>
-  <mc:AlternateContent xmlns:mc="http://schemas.openxmlformats.org/markup-compatibility/2006">
-    <mc:Choice xmlns:p14="http://schemas.microsoft.com/office/powerpoint/2010/main" Requires="p14">
+  <mc:AlternateContent xmlns:mc="http://schemas.openxmlformats.org/markup-compatibility/2006" xmlns:p14="http://schemas.microsoft.com/office/powerpoint/2010/main">
+    <mc:Choice Requires="p14">
       <p:transition spd="slow" p14:dur="2000"/>
     </mc:Choice>
-    <mc:Fallback>
+    <mc:Fallback xmlns="">
       <p:transition spd="slow"/>
     </mc:Fallback>
   </mc:AlternateContent>
@@ -5498,11 +5498,11 @@
   <p:clrMapOvr>
     <a:masterClrMapping/>
   </p:clrMapOvr>
-  <mc:AlternateContent xmlns:mc="http://schemas.openxmlformats.org/markup-compatibility/2006">
-    <mc:Choice xmlns:p14="http://schemas.microsoft.com/office/powerpoint/2010/main" Requires="p14">
+  <mc:AlternateContent xmlns:mc="http://schemas.openxmlformats.org/markup-compatibility/2006" xmlns:p14="http://schemas.microsoft.com/office/powerpoint/2010/main">
+    <mc:Choice Requires="p14">
       <p:transition spd="slow" p14:dur="2000"/>
     </mc:Choice>
-    <mc:Fallback>
+    <mc:Fallback xmlns="">
       <p:transition spd="slow"/>
     </mc:Fallback>
   </mc:AlternateContent>
@@ -5622,11 +5622,11 @@
   <p:clrMapOvr>
     <a:masterClrMapping/>
   </p:clrMapOvr>
-  <mc:AlternateContent xmlns:mc="http://schemas.openxmlformats.org/markup-compatibility/2006">
-    <mc:Choice xmlns:p14="http://schemas.microsoft.com/office/powerpoint/2010/main" Requires="p14">
+  <mc:AlternateContent xmlns:mc="http://schemas.openxmlformats.org/markup-compatibility/2006" xmlns:p14="http://schemas.microsoft.com/office/powerpoint/2010/main">
+    <mc:Choice Requires="p14">
       <p:transition spd="slow" p14:dur="2000"/>
     </mc:Choice>
-    <mc:Fallback>
+    <mc:Fallback xmlns="">
       <p:transition spd="slow"/>
     </mc:Fallback>
   </mc:AlternateContent>
@@ -5723,11 +5723,11 @@
   <p:clrMapOvr>
     <a:masterClrMapping/>
   </p:clrMapOvr>
-  <mc:AlternateContent xmlns:mc="http://schemas.openxmlformats.org/markup-compatibility/2006">
-    <mc:Choice xmlns:p14="http://schemas.microsoft.com/office/powerpoint/2010/main" Requires="p14">
+  <mc:AlternateContent xmlns:mc="http://schemas.openxmlformats.org/markup-compatibility/2006" xmlns:p14="http://schemas.microsoft.com/office/powerpoint/2010/main">
+    <mc:Choice Requires="p14">
       <p:transition spd="slow" p14:dur="2000"/>
     </mc:Choice>
-    <mc:Fallback>
+    <mc:Fallback xmlns="">
       <p:transition spd="slow"/>
     </mc:Fallback>
   </mc:AlternateContent>
@@ -5913,11 +5913,11 @@
   <p:clrMapOvr>
     <a:masterClrMapping/>
   </p:clrMapOvr>
-  <mc:AlternateContent xmlns:mc="http://schemas.openxmlformats.org/markup-compatibility/2006">
-    <mc:Choice xmlns:p14="http://schemas.microsoft.com/office/powerpoint/2010/main" Requires="p14">
+  <mc:AlternateContent xmlns:mc="http://schemas.openxmlformats.org/markup-compatibility/2006" xmlns:p14="http://schemas.microsoft.com/office/powerpoint/2010/main">
+    <mc:Choice Requires="p14">
       <p:transition spd="slow" p14:dur="2000"/>
     </mc:Choice>
-    <mc:Fallback>
+    <mc:Fallback xmlns="">
       <p:transition spd="slow"/>
     </mc:Fallback>
   </mc:AlternateContent>
@@ -6196,11 +6196,11 @@
   <p:clrMapOvr>
     <a:masterClrMapping/>
   </p:clrMapOvr>
-  <mc:AlternateContent xmlns:mc="http://schemas.openxmlformats.org/markup-compatibility/2006">
-    <mc:Choice xmlns:p14="http://schemas.microsoft.com/office/powerpoint/2010/main" Requires="p14">
+  <mc:AlternateContent xmlns:mc="http://schemas.openxmlformats.org/markup-compatibility/2006" xmlns:p14="http://schemas.microsoft.com/office/powerpoint/2010/main">
+    <mc:Choice Requires="p14">
       <p:transition spd="slow" p14:dur="2000"/>
     </mc:Choice>
-    <mc:Fallback>
+    <mc:Fallback xmlns="">
       <p:transition spd="slow"/>
     </mc:Fallback>
   </mc:AlternateContent>
@@ -6455,11 +6455,11 @@
   <p:clrMapOvr>
     <a:masterClrMapping/>
   </p:clrMapOvr>
-  <mc:AlternateContent xmlns:mc="http://schemas.openxmlformats.org/markup-compatibility/2006">
-    <mc:Choice xmlns:p14="http://schemas.microsoft.com/office/powerpoint/2010/main" Requires="p14">
+  <mc:AlternateContent xmlns:mc="http://schemas.openxmlformats.org/markup-compatibility/2006" xmlns:p14="http://schemas.microsoft.com/office/powerpoint/2010/main">
+    <mc:Choice Requires="p14">
       <p:transition spd="slow" p14:dur="2000"/>
     </mc:Choice>
-    <mc:Fallback>
+    <mc:Fallback xmlns="">
       <p:transition spd="slow"/>
     </mc:Fallback>
   </mc:AlternateContent>
@@ -6631,11 +6631,11 @@
   <p:clrMapOvr>
     <a:masterClrMapping/>
   </p:clrMapOvr>
-  <mc:AlternateContent xmlns:mc="http://schemas.openxmlformats.org/markup-compatibility/2006">
-    <mc:Choice xmlns:p14="http://schemas.microsoft.com/office/powerpoint/2010/main" Requires="p14">
+  <mc:AlternateContent xmlns:mc="http://schemas.openxmlformats.org/markup-compatibility/2006" xmlns:p14="http://schemas.microsoft.com/office/powerpoint/2010/main">
+    <mc:Choice Requires="p14">
       <p:transition spd="slow" p14:dur="2000"/>
     </mc:Choice>
-    <mc:Fallback>
+    <mc:Fallback xmlns="">
       <p:transition spd="slow"/>
     </mc:Fallback>
   </mc:AlternateContent>
@@ -6817,11 +6817,11 @@
   <p:clrMapOvr>
     <a:masterClrMapping/>
   </p:clrMapOvr>
-  <mc:AlternateContent xmlns:mc="http://schemas.openxmlformats.org/markup-compatibility/2006">
-    <mc:Choice xmlns:p14="http://schemas.microsoft.com/office/powerpoint/2010/main" Requires="p14">
+  <mc:AlternateContent xmlns:mc="http://schemas.openxmlformats.org/markup-compatibility/2006" xmlns:p14="http://schemas.microsoft.com/office/powerpoint/2010/main">
+    <mc:Choice Requires="p14">
       <p:transition spd="slow" p14:dur="2000"/>
     </mc:Choice>
-    <mc:Fallback>
+    <mc:Fallback xmlns="">
       <p:transition spd="slow"/>
     </mc:Fallback>
   </mc:AlternateContent>
@@ -6992,11 +6992,11 @@
   <p:clrMapOvr>
     <a:masterClrMapping/>
   </p:clrMapOvr>
-  <mc:AlternateContent xmlns:mc="http://schemas.openxmlformats.org/markup-compatibility/2006">
-    <mc:Choice xmlns:p14="http://schemas.microsoft.com/office/powerpoint/2010/main" Requires="p14">
+  <mc:AlternateContent xmlns:mc="http://schemas.openxmlformats.org/markup-compatibility/2006" xmlns:p14="http://schemas.microsoft.com/office/powerpoint/2010/main">
+    <mc:Choice Requires="p14">
       <p:transition spd="slow" p14:dur="2000"/>
     </mc:Choice>
-    <mc:Fallback>
+    <mc:Fallback xmlns="">
       <p:transition spd="slow"/>
     </mc:Fallback>
   </mc:AlternateContent>
@@ -7302,11 +7302,11 @@
   <p:clrMapOvr>
     <a:masterClrMapping/>
   </p:clrMapOvr>
-  <mc:AlternateContent xmlns:mc="http://schemas.openxmlformats.org/markup-compatibility/2006">
-    <mc:Choice xmlns:p14="http://schemas.microsoft.com/office/powerpoint/2010/main" Requires="p14">
+  <mc:AlternateContent xmlns:mc="http://schemas.openxmlformats.org/markup-compatibility/2006" xmlns:p14="http://schemas.microsoft.com/office/powerpoint/2010/main">
+    <mc:Choice Requires="p14">
       <p:transition spd="slow" p14:dur="2000"/>
     </mc:Choice>
-    <mc:Fallback>
+    <mc:Fallback xmlns="">
       <p:transition spd="slow"/>
     </mc:Fallback>
   </mc:AlternateContent>
@@ -7363,11 +7363,11 @@
   <p:clrMapOvr>
     <a:masterClrMapping/>
   </p:clrMapOvr>
-  <mc:AlternateContent xmlns:mc="http://schemas.openxmlformats.org/markup-compatibility/2006">
-    <mc:Choice xmlns:p14="http://schemas.microsoft.com/office/powerpoint/2010/main" Requires="p14">
+  <mc:AlternateContent xmlns:mc="http://schemas.openxmlformats.org/markup-compatibility/2006" xmlns:p14="http://schemas.microsoft.com/office/powerpoint/2010/main">
+    <mc:Choice Requires="p14">
       <p:transition spd="slow" p14:dur="2000"/>
     </mc:Choice>
-    <mc:Fallback>
+    <mc:Fallback xmlns="">
       <p:transition spd="slow"/>
     </mc:Fallback>
   </mc:AlternateContent>
@@ -7401,11 +7401,11 @@
   <p:clrMapOvr>
     <a:masterClrMapping/>
   </p:clrMapOvr>
-  <mc:AlternateContent xmlns:mc="http://schemas.openxmlformats.org/markup-compatibility/2006">
-    <mc:Choice xmlns:p14="http://schemas.microsoft.com/office/powerpoint/2010/main" Requires="p14">
+  <mc:AlternateContent xmlns:mc="http://schemas.openxmlformats.org/markup-compatibility/2006" xmlns:p14="http://schemas.microsoft.com/office/powerpoint/2010/main">
+    <mc:Choice Requires="p14">
       <p:transition spd="slow" p14:dur="2000"/>
     </mc:Choice>
-    <mc:Fallback>
+    <mc:Fallback xmlns="">
       <p:transition spd="slow"/>
     </mc:Fallback>
   </mc:AlternateContent>
@@ -7621,11 +7621,11 @@
   <p:clrMapOvr>
     <a:masterClrMapping/>
   </p:clrMapOvr>
-  <mc:AlternateContent xmlns:mc="http://schemas.openxmlformats.org/markup-compatibility/2006">
-    <mc:Choice xmlns:p14="http://schemas.microsoft.com/office/powerpoint/2010/main" Requires="p14">
+  <mc:AlternateContent xmlns:mc="http://schemas.openxmlformats.org/markup-compatibility/2006" xmlns:p14="http://schemas.microsoft.com/office/powerpoint/2010/main">
+    <mc:Choice Requires="p14">
       <p:transition spd="slow" p14:dur="2000"/>
     </mc:Choice>
-    <mc:Fallback>
+    <mc:Fallback xmlns="">
       <p:transition spd="slow"/>
     </mc:Fallback>
   </mc:AlternateContent>
@@ -7817,11 +7817,11 @@
   <p:clrMapOvr>
     <a:masterClrMapping/>
   </p:clrMapOvr>
-  <mc:AlternateContent xmlns:mc="http://schemas.openxmlformats.org/markup-compatibility/2006">
-    <mc:Choice xmlns:p14="http://schemas.microsoft.com/office/powerpoint/2010/main" Requires="p14">
+  <mc:AlternateContent xmlns:mc="http://schemas.openxmlformats.org/markup-compatibility/2006" xmlns:p14="http://schemas.microsoft.com/office/powerpoint/2010/main">
+    <mc:Choice Requires="p14">
       <p:transition spd="slow" p14:dur="2000"/>
     </mc:Choice>
-    <mc:Fallback>
+    <mc:Fallback xmlns="">
       <p:transition spd="slow"/>
     </mc:Fallback>
   </mc:AlternateContent>
@@ -8018,11 +8018,11 @@
     <p:sldLayoutId id="2147483658" r:id="rId10"/>
     <p:sldLayoutId id="2147483659" r:id="rId11"/>
   </p:sldLayoutIdLst>
-  <mc:AlternateContent xmlns:mc="http://schemas.openxmlformats.org/markup-compatibility/2006">
-    <mc:Choice xmlns:p14="http://schemas.microsoft.com/office/powerpoint/2010/main" Requires="p14">
+  <mc:AlternateContent xmlns:mc="http://schemas.openxmlformats.org/markup-compatibility/2006" xmlns:p14="http://schemas.microsoft.com/office/powerpoint/2010/main">
+    <mc:Choice Requires="p14">
       <p:transition spd="slow" p14:dur="2000"/>
     </mc:Choice>
-    <mc:Fallback>
+    <mc:Fallback xmlns="">
       <p:transition spd="slow"/>
     </mc:Fallback>
   </mc:AlternateContent>
@@ -8584,11 +8584,11 @@
     <p:sldLayoutId id="2147483670" r:id="rId10"/>
     <p:sldLayoutId id="2147483671" r:id="rId11"/>
   </p:sldLayoutIdLst>
-  <mc:AlternateContent xmlns:mc="http://schemas.openxmlformats.org/markup-compatibility/2006">
-    <mc:Choice xmlns:p14="http://schemas.microsoft.com/office/powerpoint/2010/main" Requires="p14">
+  <mc:AlternateContent xmlns:mc="http://schemas.openxmlformats.org/markup-compatibility/2006" xmlns:p14="http://schemas.microsoft.com/office/powerpoint/2010/main">
+    <mc:Choice Requires="p14">
       <p:transition spd="slow" p14:dur="2000"/>
     </mc:Choice>
-    <mc:Fallback>
+    <mc:Fallback xmlns="">
       <p:transition spd="slow"/>
     </mc:Fallback>
   </mc:AlternateContent>
@@ -9150,11 +9150,11 @@
     <p:sldLayoutId id="2147483682" r:id="rId10"/>
     <p:sldLayoutId id="2147483683" r:id="rId11"/>
   </p:sldLayoutIdLst>
-  <mc:AlternateContent xmlns:mc="http://schemas.openxmlformats.org/markup-compatibility/2006">
-    <mc:Choice xmlns:p14="http://schemas.microsoft.com/office/powerpoint/2010/main" Requires="p14">
+  <mc:AlternateContent xmlns:mc="http://schemas.openxmlformats.org/markup-compatibility/2006" xmlns:p14="http://schemas.microsoft.com/office/powerpoint/2010/main">
+    <mc:Choice Requires="p14">
       <p:transition spd="slow" p14:dur="2000"/>
     </mc:Choice>
-    <mc:Fallback>
+    <mc:Fallback xmlns="">
       <p:transition spd="slow"/>
     </mc:Fallback>
   </mc:AlternateContent>
@@ -9469,8 +9469,8 @@
         </p:nvSpPr>
         <p:spPr>
           <a:xfrm>
-            <a:off x="2520000" y="216000"/>
-            <a:ext cx="8063999" cy="3384000"/>
+            <a:off x="2520000" y="1569446"/>
+            <a:ext cx="8063999" cy="677108"/>
           </a:xfrm>
         </p:spPr>
         <p:txBody>
@@ -9481,7 +9481,11 @@
           <a:p>
             <a:pPr lvl="0"/>
             <a:r>
-              <a:rPr lang="en-IN"/>
+              <a:rPr lang="en-IN" dirty="0">
+                <a:solidFill>
+                  <a:schemeClr val="bg1"/>
+                </a:solidFill>
+              </a:rPr>
               <a:t>Regular Expressions</a:t>
             </a:r>
           </a:p>
@@ -9509,14 +9513,22 @@
           <a:p>
             <a:pPr lvl="0" algn="l"/>
             <a:r>
-              <a:rPr lang="en-IN"/>
+              <a:rPr lang="en-IN" dirty="0">
+                <a:solidFill>
+                  <a:schemeClr val="bg1"/>
+                </a:solidFill>
+              </a:rPr>
               <a:t>Balachander G</a:t>
             </a:r>
           </a:p>
           <a:p>
             <a:pPr lvl="0" algn="l"/>
             <a:r>
-              <a:rPr lang="en-IN"/>
+              <a:rPr lang="en-IN" dirty="0">
+                <a:solidFill>
+                  <a:schemeClr val="bg1"/>
+                </a:solidFill>
+              </a:rPr>
               <a:t>19PW06</a:t>
             </a:r>
           </a:p>
@@ -9527,11 +9539,11 @@
   <p:clrMapOvr>
     <a:masterClrMapping/>
   </p:clrMapOvr>
-  <mc:AlternateContent xmlns:mc="http://schemas.openxmlformats.org/markup-compatibility/2006">
-    <mc:Choice xmlns:p14="http://schemas.microsoft.com/office/powerpoint/2010/main" Requires="p14">
+  <mc:AlternateContent xmlns:mc="http://schemas.openxmlformats.org/markup-compatibility/2006" xmlns:p14="http://schemas.microsoft.com/office/powerpoint/2010/main">
+    <mc:Choice Requires="p14">
       <p:transition spd="slow" p14:dur="2000"/>
     </mc:Choice>
-    <mc:Fallback>
+    <mc:Fallback xmlns="">
       <p:transition spd="slow"/>
     </mc:Fallback>
   </mc:AlternateContent>
@@ -9567,8 +9579,8 @@
         </p:nvSpPr>
         <p:spPr>
           <a:xfrm>
-            <a:off x="432000" y="1171080"/>
-            <a:ext cx="9540000" cy="3004920"/>
+            <a:off x="432000" y="1934876"/>
+            <a:ext cx="9540000" cy="1477328"/>
           </a:xfrm>
         </p:spPr>
         <p:txBody>
@@ -9586,8 +9598,49 @@
               <a:buChar char="●"/>
             </a:pPr>
             <a:r>
-              <a:rPr lang="en-IN"/>
-              <a:t>REGULAR EXPRESSIONS ARE A STANDARDIZED WAY TO EXPRESS PATTERNS TO BE MATCHED AGAINST SEQUENCE OF CHARACTERS</a:t>
+              <a:rPr lang="en-IN" dirty="0">
+                <a:solidFill>
+                  <a:schemeClr val="bg1"/>
+                </a:solidFill>
+                <a:latin typeface="+mj-lt"/>
+              </a:rPr>
+              <a:t> </a:t>
+            </a:r>
+            <a:r>
+              <a:rPr lang="en-IN" dirty="0" smtClean="0">
+                <a:solidFill>
+                  <a:schemeClr val="bg1"/>
+                </a:solidFill>
+                <a:latin typeface="+mj-lt"/>
+              </a:rPr>
+              <a:t>REGULAR </a:t>
+            </a:r>
+            <a:r>
+              <a:rPr lang="en-IN" dirty="0">
+                <a:solidFill>
+                  <a:schemeClr val="bg1"/>
+                </a:solidFill>
+                <a:latin typeface="+mj-lt"/>
+              </a:rPr>
+              <a:t>EXPRESSIONS ARE A STANDARDIZED WAY TO </a:t>
+            </a:r>
+            <a:r>
+              <a:rPr lang="en-IN" dirty="0" smtClean="0">
+                <a:solidFill>
+                  <a:schemeClr val="bg1"/>
+                </a:solidFill>
+                <a:latin typeface="+mj-lt"/>
+              </a:rPr>
+              <a:t>         EXPRESS </a:t>
+            </a:r>
+            <a:r>
+              <a:rPr lang="en-IN" dirty="0">
+                <a:solidFill>
+                  <a:schemeClr val="bg1"/>
+                </a:solidFill>
+                <a:latin typeface="+mj-lt"/>
+              </a:rPr>
+              <a:t>PATTERNS TO BE MATCHED AGAINST SEQUENCE OF CHARACTERS</a:t>
             </a:r>
           </a:p>
         </p:txBody>
@@ -9597,11 +9650,11 @@
   <p:clrMapOvr>
     <a:masterClrMapping/>
   </p:clrMapOvr>
-  <mc:AlternateContent xmlns:mc="http://schemas.openxmlformats.org/markup-compatibility/2006">
-    <mc:Choice xmlns:p14="http://schemas.microsoft.com/office/powerpoint/2010/main" Requires="p14">
+  <mc:AlternateContent xmlns:mc="http://schemas.openxmlformats.org/markup-compatibility/2006" xmlns:p14="http://schemas.microsoft.com/office/powerpoint/2010/main">
+    <mc:Choice Requires="p14">
       <p:transition spd="slow" p14:dur="2000"/>
     </mc:Choice>
-    <mc:Fallback>
+    <mc:Fallback xmlns="">
       <p:transition spd="slow"/>
     </mc:Fallback>
   </mc:AlternateContent>
@@ -9637,8 +9690,8 @@
         </p:nvSpPr>
         <p:spPr>
           <a:xfrm>
-            <a:off x="144000" y="72000"/>
-            <a:ext cx="9540000" cy="4176000"/>
+            <a:off x="144000" y="1606002"/>
+            <a:ext cx="9540000" cy="1107996"/>
           </a:xfrm>
         </p:spPr>
         <p:txBody>
@@ -9649,7 +9702,11 @@
           <a:p>
             <a:pPr lvl="0" algn="ctr"/>
             <a:r>
-              <a:rPr lang="en-IN" sz="3600"/>
+              <a:rPr lang="en-IN" sz="3600" dirty="0">
+                <a:solidFill>
+                  <a:schemeClr val="bg1"/>
+                </a:solidFill>
+              </a:rPr>
               <a:t>The standard C++ library provides support for regular expressions in the &lt;regex&gt; header</a:t>
             </a:r>
           </a:p>
@@ -9660,11 +9717,11 @@
   <p:clrMapOvr>
     <a:masterClrMapping/>
   </p:clrMapOvr>
-  <mc:AlternateContent xmlns:mc="http://schemas.openxmlformats.org/markup-compatibility/2006">
-    <mc:Choice xmlns:p14="http://schemas.microsoft.com/office/powerpoint/2010/main" Requires="p14">
+  <mc:AlternateContent xmlns:mc="http://schemas.openxmlformats.org/markup-compatibility/2006" xmlns:p14="http://schemas.microsoft.com/office/powerpoint/2010/main">
+    <mc:Choice Requires="p14">
       <p:transition spd="slow" p14:dur="2000"/>
     </mc:Choice>
-    <mc:Fallback>
+    <mc:Fallback xmlns="">
       <p:transition spd="slow"/>
     </mc:Fallback>
   </mc:AlternateContent>
@@ -9705,7 +9762,11 @@
           <a:p>
             <a:pPr lvl="0"/>
             <a:r>
-              <a:rPr lang="en-IN"/>
+              <a:rPr lang="en-IN" dirty="0">
+                <a:solidFill>
+                  <a:schemeClr val="bg1"/>
+                </a:solidFill>
+              </a:rPr>
               <a:t>Regex Parameters</a:t>
             </a:r>
           </a:p>
@@ -9737,17 +9798,50 @@
               <a:buChar char="●"/>
             </a:pPr>
             <a:r>
-              <a:rPr lang="en-IN" sz="3600" i="1">
+              <a:rPr lang="en-IN" sz="3600" i="1" dirty="0">
+                <a:solidFill>
+                  <a:schemeClr val="bg1"/>
+                </a:solidFill>
                 <a:effectLst>
                   <a:outerShdw dist="17961" dir="2700000">
                     <a:scrgbClr r="0" g="0" b="0"/>
                   </a:outerShdw>
                 </a:effectLst>
               </a:rPr>
-              <a:t>Target Seqence(subject):</a:t>
-            </a:r>
-            <a:r>
-              <a:rPr lang="en-IN"/>
+              <a:t>Target </a:t>
+            </a:r>
+            <a:r>
+              <a:rPr lang="en-IN" sz="3600" i="1" dirty="0" err="1">
+                <a:solidFill>
+                  <a:schemeClr val="bg1"/>
+                </a:solidFill>
+                <a:effectLst>
+                  <a:outerShdw dist="17961" dir="2700000">
+                    <a:scrgbClr r="0" g="0" b="0"/>
+                  </a:outerShdw>
+                </a:effectLst>
+              </a:rPr>
+              <a:t>Seqence</a:t>
+            </a:r>
+            <a:r>
+              <a:rPr lang="en-IN" sz="3600" i="1" dirty="0">
+                <a:solidFill>
+                  <a:schemeClr val="bg1"/>
+                </a:solidFill>
+                <a:effectLst>
+                  <a:outerShdw dist="17961" dir="2700000">
+                    <a:scrgbClr r="0" g="0" b="0"/>
+                  </a:outerShdw>
+                </a:effectLst>
+              </a:rPr>
+              <a:t>(subject):</a:t>
+            </a:r>
+            <a:r>
+              <a:rPr lang="en-IN" dirty="0">
+                <a:solidFill>
+                  <a:schemeClr val="bg1"/>
+                </a:solidFill>
+              </a:rPr>
               <a:t> The sequence of characters searched for the pattern.</a:t>
             </a:r>
           </a:p>
@@ -9764,11 +9858,19 @@
               <a:buChar char="●"/>
             </a:pPr>
             <a:r>
-              <a:rPr lang="en-IN" sz="3600" i="1"/>
+              <a:rPr lang="en-IN" sz="3600" i="1" dirty="0">
+                <a:solidFill>
+                  <a:schemeClr val="bg1"/>
+                </a:solidFill>
+              </a:rPr>
               <a:t>Regular Expression(pattern):</a:t>
             </a:r>
             <a:r>
-              <a:rPr lang="en-IN"/>
+              <a:rPr lang="en-IN" dirty="0">
+                <a:solidFill>
+                  <a:schemeClr val="bg1"/>
+                </a:solidFill>
+              </a:rPr>
               <a:t> The pattern which is searched for in the target sequence.</a:t>
             </a:r>
           </a:p>
@@ -9778,7 +9880,7 @@
               <a:buFont typeface="StarSymbol"/>
               <a:buChar char="●"/>
             </a:pPr>
-            <a:endParaRPr lang="en-IN"/>
+            <a:endParaRPr lang="en-IN" dirty="0"/>
           </a:p>
         </p:txBody>
       </p:sp>
@@ -9787,11 +9889,11 @@
   <p:clrMapOvr>
     <a:masterClrMapping/>
   </p:clrMapOvr>
-  <mc:AlternateContent xmlns:mc="http://schemas.openxmlformats.org/markup-compatibility/2006">
-    <mc:Choice xmlns:p14="http://schemas.microsoft.com/office/powerpoint/2010/main" Requires="p14">
+  <mc:AlternateContent xmlns:mc="http://schemas.openxmlformats.org/markup-compatibility/2006" xmlns:p14="http://schemas.microsoft.com/office/powerpoint/2010/main">
+    <mc:Choice Requires="p14">
       <p:transition spd="slow" p14:dur="2000"/>
     </mc:Choice>
-    <mc:Fallback>
+    <mc:Fallback xmlns="">
       <p:transition spd="slow"/>
     </mc:Fallback>
   </mc:AlternateContent>
@@ -9841,11 +9943,19 @@
               <a:buChar char="●"/>
             </a:pPr>
             <a:r>
-              <a:rPr lang="en-IN" sz="3600" i="1"/>
+              <a:rPr lang="en-IN" sz="3600" i="1" dirty="0">
+                <a:solidFill>
+                  <a:schemeClr val="bg1"/>
+                </a:solidFill>
+              </a:rPr>
               <a:t>Matched Array:</a:t>
             </a:r>
             <a:r>
-              <a:rPr lang="en-IN"/>
+              <a:rPr lang="en-IN" dirty="0">
+                <a:solidFill>
+                  <a:schemeClr val="bg1"/>
+                </a:solidFill>
+              </a:rPr>
               <a:t> The information about the match</a:t>
             </a:r>
           </a:p>
@@ -9859,11 +9969,19 @@
               <a:buChar char="●"/>
             </a:pPr>
             <a:r>
-              <a:rPr lang="en-IN" sz="3600" i="1"/>
+              <a:rPr lang="en-IN" sz="3600" i="1" dirty="0">
+                <a:solidFill>
+                  <a:schemeClr val="bg1"/>
+                </a:solidFill>
+              </a:rPr>
               <a:t>Replacement String:</a:t>
             </a:r>
             <a:r>
-              <a:rPr lang="en-IN"/>
+              <a:rPr lang="en-IN" dirty="0">
+                <a:solidFill>
+                  <a:schemeClr val="bg1"/>
+                </a:solidFill>
+              </a:rPr>
               <a:t> This is a string that determine how to replace the matches.</a:t>
             </a:r>
           </a:p>
@@ -9874,11 +9992,11 @@
   <p:clrMapOvr>
     <a:masterClrMapping/>
   </p:clrMapOvr>
-  <mc:AlternateContent xmlns:mc="http://schemas.openxmlformats.org/markup-compatibility/2006">
-    <mc:Choice xmlns:p14="http://schemas.microsoft.com/office/powerpoint/2010/main" Requires="p14">
+  <mc:AlternateContent xmlns:mc="http://schemas.openxmlformats.org/markup-compatibility/2006" xmlns:p14="http://schemas.microsoft.com/office/powerpoint/2010/main">
+    <mc:Choice Requires="p14">
       <p:transition spd="slow" p14:dur="2000"/>
     </mc:Choice>
-    <mc:Fallback>
+    <mc:Fallback xmlns="">
       <p:transition spd="slow"/>
     </mc:Fallback>
   </mc:AlternateContent>
@@ -9919,7 +10037,11 @@
           <a:p>
             <a:pPr lvl="0"/>
             <a:r>
-              <a:rPr lang="en-IN"/>
+              <a:rPr lang="en-IN" dirty="0">
+                <a:solidFill>
+                  <a:schemeClr val="bg1"/>
+                </a:solidFill>
+              </a:rPr>
               <a:t>Functions</a:t>
             </a:r>
           </a:p>
@@ -9951,7 +10073,11 @@
               <a:buChar char="●"/>
             </a:pPr>
             <a:r>
-              <a:rPr lang="en-IN"/>
+              <a:rPr lang="en-IN" dirty="0">
+                <a:solidFill>
+                  <a:schemeClr val="bg1"/>
+                </a:solidFill>
+              </a:rPr>
               <a:t>regex_match</a:t>
             </a:r>
           </a:p>
@@ -9965,7 +10091,11 @@
               <a:buChar char="●"/>
             </a:pPr>
             <a:r>
-              <a:rPr lang="en-IN"/>
+              <a:rPr lang="en-IN" dirty="0">
+                <a:solidFill>
+                  <a:schemeClr val="bg1"/>
+                </a:solidFill>
+              </a:rPr>
               <a:t>regex_search</a:t>
             </a:r>
           </a:p>
@@ -9979,7 +10109,11 @@
               <a:buChar char="●"/>
             </a:pPr>
             <a:r>
-              <a:rPr lang="en-IN"/>
+              <a:rPr lang="en-IN" dirty="0">
+                <a:solidFill>
+                  <a:schemeClr val="bg1"/>
+                </a:solidFill>
+              </a:rPr>
               <a:t>regex_replace</a:t>
             </a:r>
           </a:p>
@@ -9990,11 +10124,11 @@
   <p:clrMapOvr>
     <a:masterClrMapping/>
   </p:clrMapOvr>
-  <mc:AlternateContent xmlns:mc="http://schemas.openxmlformats.org/markup-compatibility/2006">
-    <mc:Choice xmlns:p14="http://schemas.microsoft.com/office/powerpoint/2010/main" Requires="p14">
+  <mc:AlternateContent xmlns:mc="http://schemas.openxmlformats.org/markup-compatibility/2006" xmlns:p14="http://schemas.microsoft.com/office/powerpoint/2010/main">
+    <mc:Choice Requires="p14">
       <p:transition spd="slow" p14:dur="2000"/>
     </mc:Choice>
-    <mc:Fallback>
+    <mc:Fallback xmlns="">
       <p:transition spd="slow"/>
     </mc:Fallback>
   </mc:AlternateContent>
@@ -10040,7 +10174,11 @@
           <a:p>
             <a:pPr lvl="0" algn="ctr"/>
             <a:r>
-              <a:rPr lang="en-IN" sz="4400"/>
+              <a:rPr lang="en-IN" sz="4400" dirty="0">
+                <a:solidFill>
+                  <a:schemeClr val="bg1"/>
+                </a:solidFill>
+              </a:rPr>
               <a:t>THANK YOU!!!</a:t>
             </a:r>
           </a:p>
@@ -10051,11 +10189,11 @@
   <p:clrMapOvr>
     <a:masterClrMapping/>
   </p:clrMapOvr>
-  <mc:AlternateContent xmlns:mc="http://schemas.openxmlformats.org/markup-compatibility/2006">
-    <mc:Choice xmlns:p14="http://schemas.microsoft.com/office/powerpoint/2010/main" Requires="p14">
+  <mc:AlternateContent xmlns:mc="http://schemas.openxmlformats.org/markup-compatibility/2006" xmlns:p14="http://schemas.microsoft.com/office/powerpoint/2010/main">
+    <mc:Choice Requires="p14">
       <p:transition spd="slow" p14:dur="2000"/>
     </mc:Choice>
-    <mc:Fallback>
+    <mc:Fallback xmlns="">
       <p:transition spd="slow"/>
     </mc:Fallback>
   </mc:AlternateContent>
@@ -10105,7 +10243,7 @@
     </a:clrScheme>
     <a:fontScheme name="Office">
       <a:majorFont>
-        <a:latin typeface="Calibri Light" panose="020F0302020204030204"/>
+        <a:latin typeface="Calibri Light"/>
         <a:ea typeface=""/>
         <a:cs typeface=""/>
         <a:font script="Jpan" typeface="游ゴシック Light"/>
@@ -10140,7 +10278,7 @@
         <a:font script="Geor" typeface="Sylfaen"/>
       </a:majorFont>
       <a:minorFont>
-        <a:latin typeface="Calibri" panose="020F0502020204030204"/>
+        <a:latin typeface="Calibri"/>
         <a:ea typeface=""/>
         <a:cs typeface=""/>
         <a:font script="Jpan" typeface="游ゴシック"/>
@@ -10317,7 +10455,7 @@
   <a:extraClrSchemeLst/>
   <a:extLst>
     <a:ext uri="{05A4C25C-085E-4340-85A3-A5531E510DB2}">
-      <thm15:themeFamily xmlns:thm15="http://schemas.microsoft.com/office/thememl/2012/main" name="Office Theme" id="{62F939B6-93AF-4DB8-9C6B-D6C7DFDC589F}" vid="{4A3C46E8-61CC-4603-A589-7422A47A8E4A}"/>
+      <thm15:themeFamily xmlns="" xmlns:thm15="http://schemas.microsoft.com/office/thememl/2012/main" name="Office Theme" id="{62F939B6-93AF-4DB8-9C6B-D6C7DFDC589F}" vid="{4A3C46E8-61CC-4603-A589-7422A47A8E4A}"/>
     </a:ext>
   </a:extLst>
 </a:theme>
@@ -10366,7 +10504,7 @@
     </a:clrScheme>
     <a:fontScheme name="Office">
       <a:majorFont>
-        <a:latin typeface="Calibri Light" panose="020F0302020204030204"/>
+        <a:latin typeface="Calibri Light"/>
         <a:ea typeface=""/>
         <a:cs typeface=""/>
         <a:font script="Jpan" typeface="游ゴシック Light"/>
@@ -10401,7 +10539,7 @@
         <a:font script="Geor" typeface="Sylfaen"/>
       </a:majorFont>
       <a:minorFont>
-        <a:latin typeface="Calibri" panose="020F0502020204030204"/>
+        <a:latin typeface="Calibri"/>
         <a:ea typeface=""/>
         <a:cs typeface=""/>
         <a:font script="Jpan" typeface="游ゴシック"/>
@@ -10578,7 +10716,7 @@
   <a:extraClrSchemeLst/>
   <a:extLst>
     <a:ext uri="{05A4C25C-085E-4340-85A3-A5531E510DB2}">
-      <thm15:themeFamily xmlns:thm15="http://schemas.microsoft.com/office/thememl/2012/main" name="Office Theme" id="{62F939B6-93AF-4DB8-9C6B-D6C7DFDC589F}" vid="{4A3C46E8-61CC-4603-A589-7422A47A8E4A}"/>
+      <thm15:themeFamily xmlns="" xmlns:thm15="http://schemas.microsoft.com/office/thememl/2012/main" name="Office Theme" id="{62F939B6-93AF-4DB8-9C6B-D6C7DFDC589F}" vid="{4A3C46E8-61CC-4603-A589-7422A47A8E4A}"/>
     </a:ext>
   </a:extLst>
 </a:theme>
@@ -10627,7 +10765,7 @@
     </a:clrScheme>
     <a:fontScheme name="Office">
       <a:majorFont>
-        <a:latin typeface="Calibri Light" panose="020F0302020204030204"/>
+        <a:latin typeface="Calibri Light"/>
         <a:ea typeface=""/>
         <a:cs typeface=""/>
         <a:font script="Jpan" typeface="游ゴシック Light"/>
@@ -10662,7 +10800,7 @@
         <a:font script="Geor" typeface="Sylfaen"/>
       </a:majorFont>
       <a:minorFont>
-        <a:latin typeface="Calibri" panose="020F0502020204030204"/>
+        <a:latin typeface="Calibri"/>
         <a:ea typeface=""/>
         <a:cs typeface=""/>
         <a:font script="Jpan" typeface="游ゴシック"/>
@@ -10839,7 +10977,7 @@
   <a:extraClrSchemeLst/>
   <a:extLst>
     <a:ext uri="{05A4C25C-085E-4340-85A3-A5531E510DB2}">
-      <thm15:themeFamily xmlns:thm15="http://schemas.microsoft.com/office/thememl/2012/main" name="Office Theme" id="{62F939B6-93AF-4DB8-9C6B-D6C7DFDC589F}" vid="{4A3C46E8-61CC-4603-A589-7422A47A8E4A}"/>
+      <thm15:themeFamily xmlns="" xmlns:thm15="http://schemas.microsoft.com/office/thememl/2012/main" name="Office Theme" id="{62F939B6-93AF-4DB8-9C6B-D6C7DFDC589F}" vid="{4A3C46E8-61CC-4603-A589-7422A47A8E4A}"/>
     </a:ext>
   </a:extLst>
 </a:theme>
@@ -10888,7 +11026,7 @@
     </a:clrScheme>
     <a:fontScheme name="Office">
       <a:majorFont>
-        <a:latin typeface="Calibri Light" panose="020F0302020204030204"/>
+        <a:latin typeface="Calibri Light"/>
         <a:ea typeface=""/>
         <a:cs typeface=""/>
         <a:font script="Jpan" typeface="游ゴシック Light"/>
@@ -10923,7 +11061,7 @@
         <a:font script="Geor" typeface="Sylfaen"/>
       </a:majorFont>
       <a:minorFont>
-        <a:latin typeface="Calibri" panose="020F0502020204030204"/>
+        <a:latin typeface="Calibri"/>
         <a:ea typeface=""/>
         <a:cs typeface=""/>
         <a:font script="Jpan" typeface="游ゴシック"/>
@@ -11100,7 +11238,7 @@
   <a:extraClrSchemeLst/>
   <a:extLst>
     <a:ext uri="{05A4C25C-085E-4340-85A3-A5531E510DB2}">
-      <thm15:themeFamily xmlns:thm15="http://schemas.microsoft.com/office/thememl/2012/main" name="Office Theme" id="{62F939B6-93AF-4DB8-9C6B-D6C7DFDC589F}" vid="{4A3C46E8-61CC-4603-A589-7422A47A8E4A}"/>
+      <thm15:themeFamily xmlns="" xmlns:thm15="http://schemas.microsoft.com/office/thememl/2012/main" name="Office Theme" id="{62F939B6-93AF-4DB8-9C6B-D6C7DFDC589F}" vid="{4A3C46E8-61CC-4603-A589-7422A47A8E4A}"/>
     </a:ext>
   </a:extLst>
 </a:theme>
@@ -11149,7 +11287,7 @@
     </a:clrScheme>
     <a:fontScheme name="Office">
       <a:majorFont>
-        <a:latin typeface="Calibri Light" panose="020F0302020204030204"/>
+        <a:latin typeface="Calibri Light"/>
         <a:ea typeface=""/>
         <a:cs typeface=""/>
         <a:font script="Jpan" typeface="游ゴシック Light"/>
@@ -11184,7 +11322,7 @@
         <a:font script="Geor" typeface="Sylfaen"/>
       </a:majorFont>
       <a:minorFont>
-        <a:latin typeface="Calibri" panose="020F0502020204030204"/>
+        <a:latin typeface="Calibri"/>
         <a:ea typeface=""/>
         <a:cs typeface=""/>
         <a:font script="Jpan" typeface="游ゴシック"/>
@@ -11361,7 +11499,7 @@
   <a:extraClrSchemeLst/>
   <a:extLst>
     <a:ext uri="{05A4C25C-085E-4340-85A3-A5531E510DB2}">
-      <thm15:themeFamily xmlns:thm15="http://schemas.microsoft.com/office/thememl/2012/main" name="Office Theme" id="{62F939B6-93AF-4DB8-9C6B-D6C7DFDC589F}" vid="{4A3C46E8-61CC-4603-A589-7422A47A8E4A}"/>
+      <thm15:themeFamily xmlns="" xmlns:thm15="http://schemas.microsoft.com/office/thememl/2012/main" name="Office Theme" id="{62F939B6-93AF-4DB8-9C6B-D6C7DFDC589F}" vid="{4A3C46E8-61CC-4603-A589-7422A47A8E4A}"/>
     </a:ext>
   </a:extLst>
 </a:theme>

--- a/Sem2/Assignment/regex.pptx
+++ b/Sem2/Assignment/regex.pptx
@@ -7,10 +7,10 @@
     <p:sldMasterId id="2147483672" r:id="rId3"/>
   </p:sldMasterIdLst>
   <p:notesMasterIdLst>
-    <p:notesMasterId r:id="rId11"/>
+    <p:notesMasterId r:id="rId12"/>
   </p:notesMasterIdLst>
   <p:handoutMasterIdLst>
-    <p:handoutMasterId r:id="rId12"/>
+    <p:handoutMasterId r:id="rId13"/>
   </p:handoutMasterIdLst>
   <p:sldIdLst>
     <p:sldId id="256" r:id="rId4"/>
@@ -19,7 +19,8 @@
     <p:sldId id="259" r:id="rId7"/>
     <p:sldId id="260" r:id="rId8"/>
     <p:sldId id="261" r:id="rId9"/>
-    <p:sldId id="262" r:id="rId10"/>
+    <p:sldId id="263" r:id="rId10"/>
+    <p:sldId id="262" r:id="rId11"/>
   </p:sldIdLst>
   <p:sldSz cx="10080625" cy="5670550"/>
   <p:notesSz cx="7559675" cy="10691813"/>
@@ -118,6 +119,22 @@
       </a:defRPr>
     </a:lvl9pPr>
   </p:defaultTextStyle>
+  <p:extLst>
+    <p:ext uri="{EFAFB233-063F-42B5-8137-9DF3F51BA10A}">
+      <p15:sldGuideLst xmlns:p15="http://schemas.microsoft.com/office/powerpoint/2012/main">
+        <p15:guide id="1" orient="horz" pos="1786">
+          <p15:clr>
+            <a:srgbClr val="A4A3A4"/>
+          </p15:clr>
+        </p15:guide>
+        <p15:guide id="2" pos="3175">
+          <p15:clr>
+            <a:srgbClr val="A4A3A4"/>
+          </p15:clr>
+        </p15:guide>
+      </p15:sldGuideLst>
+    </p:ext>
+  </p:extLst>
 </p:presentation>
 </file>
 
@@ -830,6 +847,11 @@
         </p:txBody>
       </p:sp>
     </p:spTree>
+    <p:extLst>
+      <p:ext uri="{BB962C8B-B14F-4D97-AF65-F5344CB8AC3E}">
+        <p14:creationId xmlns:p14="http://schemas.microsoft.com/office/powerpoint/2010/main" val="3958526385"/>
+      </p:ext>
+    </p:extLst>
   </p:cSld>
   <p:clrMapOvr>
     <a:masterClrMapping/>
@@ -929,6 +951,11 @@
         </p:txBody>
       </p:sp>
     </p:spTree>
+    <p:extLst>
+      <p:ext uri="{BB962C8B-B14F-4D97-AF65-F5344CB8AC3E}">
+        <p14:creationId xmlns:p14="http://schemas.microsoft.com/office/powerpoint/2010/main" val="1683270405"/>
+      </p:ext>
+    </p:extLst>
   </p:cSld>
   <p:clrMapOvr>
     <a:masterClrMapping/>
@@ -1026,6 +1053,11 @@
         </p:txBody>
       </p:sp>
     </p:spTree>
+    <p:extLst>
+      <p:ext uri="{BB962C8B-B14F-4D97-AF65-F5344CB8AC3E}">
+        <p14:creationId xmlns:p14="http://schemas.microsoft.com/office/powerpoint/2010/main" val="1316424693"/>
+      </p:ext>
+    </p:extLst>
   </p:cSld>
   <p:clrMapOvr>
     <a:masterClrMapping/>
@@ -1123,6 +1155,11 @@
         </p:txBody>
       </p:sp>
     </p:spTree>
+    <p:extLst>
+      <p:ext uri="{BB962C8B-B14F-4D97-AF65-F5344CB8AC3E}">
+        <p14:creationId xmlns:p14="http://schemas.microsoft.com/office/powerpoint/2010/main" val="2591262072"/>
+      </p:ext>
+    </p:extLst>
   </p:cSld>
   <p:clrMapOvr>
     <a:masterClrMapping/>
@@ -1220,6 +1257,11 @@
         </p:txBody>
       </p:sp>
     </p:spTree>
+    <p:extLst>
+      <p:ext uri="{BB962C8B-B14F-4D97-AF65-F5344CB8AC3E}">
+        <p14:creationId xmlns:p14="http://schemas.microsoft.com/office/powerpoint/2010/main" val="1925613060"/>
+      </p:ext>
+    </p:extLst>
   </p:cSld>
   <p:clrMapOvr>
     <a:masterClrMapping/>
@@ -1317,6 +1359,11 @@
         </p:txBody>
       </p:sp>
     </p:spTree>
+    <p:extLst>
+      <p:ext uri="{BB962C8B-B14F-4D97-AF65-F5344CB8AC3E}">
+        <p14:creationId xmlns:p14="http://schemas.microsoft.com/office/powerpoint/2010/main" val="2769384189"/>
+      </p:ext>
+    </p:extLst>
   </p:cSld>
   <p:clrMapOvr>
     <a:masterClrMapping/>
@@ -1362,7 +1409,7 @@
           <a:p>
             <a:pPr lvl="0"/>
             <a:fld id="{2168A0D1-7950-4B34-AD42-2DC4C02443F4}" type="slidenum">
-              <a:t>7</a:t>
+              <a:t>8</a:t>
             </a:fld>
             <a:endParaRPr lang="en-IN"/>
           </a:p>
@@ -1414,6 +1461,11 @@
         </p:txBody>
       </p:sp>
     </p:spTree>
+    <p:extLst>
+      <p:ext uri="{BB962C8B-B14F-4D97-AF65-F5344CB8AC3E}">
+        <p14:creationId xmlns:p14="http://schemas.microsoft.com/office/powerpoint/2010/main" val="4143175123"/>
+      </p:ext>
+    </p:extLst>
   </p:cSld>
   <p:clrMapOvr>
     <a:masterClrMapping/>
@@ -10137,6 +10189,178 @@
 
 <file path=ppt/slides/slide7.xml><?xml version="1.0" encoding="utf-8"?>
 <p:sld xmlns:a="http://schemas.openxmlformats.org/drawingml/2006/main" xmlns:r="http://schemas.openxmlformats.org/officeDocument/2006/relationships" xmlns:p="http://schemas.openxmlformats.org/presentationml/2006/main">
+  <p:cSld>
+    <p:spTree>
+      <p:nvGrpSpPr>
+        <p:cNvPr id="1" name=""/>
+        <p:cNvGrpSpPr/>
+        <p:nvPr/>
+      </p:nvGrpSpPr>
+      <p:grpSpPr>
+        <a:xfrm>
+          <a:off x="0" y="0"/>
+          <a:ext cx="0" cy="0"/>
+          <a:chOff x="0" y="0"/>
+          <a:chExt cx="0" cy="0"/>
+        </a:xfrm>
+      </p:grpSpPr>
+      <p:sp>
+        <p:nvSpPr>
+          <p:cNvPr id="2" name="Title 1"/>
+          <p:cNvSpPr>
+            <a:spLocks noGrp="1"/>
+          </p:cNvSpPr>
+          <p:nvPr>
+            <p:ph type="title"/>
+          </p:nvPr>
+        </p:nvSpPr>
+        <p:spPr/>
+        <p:txBody>
+          <a:bodyPr/>
+          <a:lstStyle/>
+          <a:p>
+            <a:r>
+              <a:rPr lang="en-IN" dirty="0" smtClean="0">
+                <a:solidFill>
+                  <a:schemeClr val="bg1"/>
+                </a:solidFill>
+              </a:rPr>
+              <a:t>References:</a:t>
+            </a:r>
+            <a:endParaRPr lang="en-US" dirty="0">
+              <a:solidFill>
+                <a:schemeClr val="bg1"/>
+              </a:solidFill>
+            </a:endParaRPr>
+          </a:p>
+        </p:txBody>
+      </p:sp>
+      <p:sp>
+        <p:nvSpPr>
+          <p:cNvPr id="3" name="Content Placeholder 2"/>
+          <p:cNvSpPr>
+            <a:spLocks noGrp="1"/>
+          </p:cNvSpPr>
+          <p:nvPr>
+            <p:ph idx="1"/>
+          </p:nvPr>
+        </p:nvSpPr>
+        <p:spPr/>
+        <p:txBody>
+          <a:bodyPr/>
+          <a:lstStyle/>
+          <a:p>
+            <a:pPr marL="457200" indent="-457200" algn="l">
+              <a:buFont typeface="Arial" panose="020B0604020202020204" pitchFamily="34" charset="0"/>
+              <a:buChar char="•"/>
+            </a:pPr>
+            <a:r>
+              <a:rPr lang="en-US" dirty="0" smtClean="0">
+                <a:solidFill>
+                  <a:schemeClr val="bg1"/>
+                </a:solidFill>
+                <a:hlinkClick r:id="rId2"/>
+              </a:rPr>
+              <a:t>http</a:t>
+            </a:r>
+            <a:r>
+              <a:rPr lang="en-US" dirty="0">
+                <a:solidFill>
+                  <a:schemeClr val="bg1"/>
+                </a:solidFill>
+                <a:hlinkClick r:id="rId2"/>
+              </a:rPr>
+              <a:t>://www.cplusplus.com/reference/regex</a:t>
+            </a:r>
+            <a:r>
+              <a:rPr lang="en-US" dirty="0" smtClean="0">
+                <a:solidFill>
+                  <a:schemeClr val="bg1"/>
+                </a:solidFill>
+                <a:hlinkClick r:id="rId2"/>
+              </a:rPr>
+              <a:t>/</a:t>
+            </a:r>
+            <a:endParaRPr lang="en-US" dirty="0" smtClean="0">
+              <a:solidFill>
+                <a:schemeClr val="bg1"/>
+              </a:solidFill>
+            </a:endParaRPr>
+          </a:p>
+          <a:p>
+            <a:pPr marL="457200" indent="-457200" algn="l">
+              <a:buFont typeface="Arial" panose="020B0604020202020204" pitchFamily="34" charset="0"/>
+              <a:buChar char="•"/>
+            </a:pPr>
+            <a:r>
+              <a:rPr lang="en-US" dirty="0">
+                <a:solidFill>
+                  <a:schemeClr val="bg1"/>
+                </a:solidFill>
+                <a:hlinkClick r:id="rId3"/>
+              </a:rPr>
+              <a:t>https://www.geeksforgeeks.org/regex-regular-expression-in-c</a:t>
+            </a:r>
+            <a:r>
+              <a:rPr lang="en-US" dirty="0" smtClean="0">
+                <a:solidFill>
+                  <a:schemeClr val="bg1"/>
+                </a:solidFill>
+                <a:hlinkClick r:id="rId3"/>
+              </a:rPr>
+              <a:t>/</a:t>
+            </a:r>
+            <a:endParaRPr lang="en-US" dirty="0" smtClean="0">
+              <a:solidFill>
+                <a:schemeClr val="bg1"/>
+              </a:solidFill>
+            </a:endParaRPr>
+          </a:p>
+          <a:p>
+            <a:pPr marL="457200" indent="-457200" algn="l">
+              <a:buFont typeface="Arial" panose="020B0604020202020204" pitchFamily="34" charset="0"/>
+              <a:buChar char="•"/>
+            </a:pPr>
+            <a:r>
+              <a:rPr lang="en-US" dirty="0">
+                <a:solidFill>
+                  <a:schemeClr val="bg1"/>
+                </a:solidFill>
+                <a:hlinkClick r:id="rId4"/>
+              </a:rPr>
+              <a:t>https://en.cppreference.com/w/cpp/regex</a:t>
+            </a:r>
+            <a:endParaRPr lang="en-US" dirty="0">
+              <a:solidFill>
+                <a:schemeClr val="bg1"/>
+              </a:solidFill>
+            </a:endParaRPr>
+          </a:p>
+        </p:txBody>
+      </p:sp>
+    </p:spTree>
+    <p:extLst>
+      <p:ext uri="{BB962C8B-B14F-4D97-AF65-F5344CB8AC3E}">
+        <p14:creationId xmlns:p14="http://schemas.microsoft.com/office/powerpoint/2010/main" val="1537596990"/>
+      </p:ext>
+    </p:extLst>
+  </p:cSld>
+  <p:clrMapOvr>
+    <a:masterClrMapping/>
+  </p:clrMapOvr>
+  <mc:AlternateContent xmlns:mc="http://schemas.openxmlformats.org/markup-compatibility/2006">
+    <mc:Choice xmlns:p14="http://schemas.microsoft.com/office/powerpoint/2010/main" Requires="p14">
+      <p:transition spd="slow" p14:dur="2000"/>
+    </mc:Choice>
+    <mc:Fallback>
+      <p:transition spd="slow"/>
+    </mc:Fallback>
+  </mc:AlternateContent>
+</p:sld>
+</file>
+
+<file path=ppt/slides/slide8.xml><?xml version="1.0" encoding="utf-8"?>
+<p:sld xmlns:a="http://schemas.openxmlformats.org/drawingml/2006/main" xmlns:r="http://schemas.openxmlformats.org/officeDocument/2006/relationships" xmlns:p="http://schemas.openxmlformats.org/presentationml/2006/main">
   <p:cSld name="page7">
     <p:spTree>
       <p:nvGrpSpPr>
@@ -10455,7 +10679,7 @@
   <a:extraClrSchemeLst/>
   <a:extLst>
     <a:ext uri="{05A4C25C-085E-4340-85A3-A5531E510DB2}">
-      <thm15:themeFamily xmlns="" xmlns:thm15="http://schemas.microsoft.com/office/thememl/2012/main" name="Office Theme" id="{62F939B6-93AF-4DB8-9C6B-D6C7DFDC589F}" vid="{4A3C46E8-61CC-4603-A589-7422A47A8E4A}"/>
+      <thm15:themeFamily xmlns:thm15="http://schemas.microsoft.com/office/thememl/2012/main" name="Office Theme" id="{62F939B6-93AF-4DB8-9C6B-D6C7DFDC589F}" vid="{4A3C46E8-61CC-4603-A589-7422A47A8E4A}"/>
     </a:ext>
   </a:extLst>
 </a:theme>
@@ -10716,7 +10940,7 @@
   <a:extraClrSchemeLst/>
   <a:extLst>
     <a:ext uri="{05A4C25C-085E-4340-85A3-A5531E510DB2}">
-      <thm15:themeFamily xmlns="" xmlns:thm15="http://schemas.microsoft.com/office/thememl/2012/main" name="Office Theme" id="{62F939B6-93AF-4DB8-9C6B-D6C7DFDC589F}" vid="{4A3C46E8-61CC-4603-A589-7422A47A8E4A}"/>
+      <thm15:themeFamily xmlns:thm15="http://schemas.microsoft.com/office/thememl/2012/main" name="Office Theme" id="{62F939B6-93AF-4DB8-9C6B-D6C7DFDC589F}" vid="{4A3C46E8-61CC-4603-A589-7422A47A8E4A}"/>
     </a:ext>
   </a:extLst>
 </a:theme>
@@ -10977,7 +11201,7 @@
   <a:extraClrSchemeLst/>
   <a:extLst>
     <a:ext uri="{05A4C25C-085E-4340-85A3-A5531E510DB2}">
-      <thm15:themeFamily xmlns="" xmlns:thm15="http://schemas.microsoft.com/office/thememl/2012/main" name="Office Theme" id="{62F939B6-93AF-4DB8-9C6B-D6C7DFDC589F}" vid="{4A3C46E8-61CC-4603-A589-7422A47A8E4A}"/>
+      <thm15:themeFamily xmlns:thm15="http://schemas.microsoft.com/office/thememl/2012/main" name="Office Theme" id="{62F939B6-93AF-4DB8-9C6B-D6C7DFDC589F}" vid="{4A3C46E8-61CC-4603-A589-7422A47A8E4A}"/>
     </a:ext>
   </a:extLst>
 </a:theme>
@@ -11238,7 +11462,7 @@
   <a:extraClrSchemeLst/>
   <a:extLst>
     <a:ext uri="{05A4C25C-085E-4340-85A3-A5531E510DB2}">
-      <thm15:themeFamily xmlns="" xmlns:thm15="http://schemas.microsoft.com/office/thememl/2012/main" name="Office Theme" id="{62F939B6-93AF-4DB8-9C6B-D6C7DFDC589F}" vid="{4A3C46E8-61CC-4603-A589-7422A47A8E4A}"/>
+      <thm15:themeFamily xmlns:thm15="http://schemas.microsoft.com/office/thememl/2012/main" name="Office Theme" id="{62F939B6-93AF-4DB8-9C6B-D6C7DFDC589F}" vid="{4A3C46E8-61CC-4603-A589-7422A47A8E4A}"/>
     </a:ext>
   </a:extLst>
 </a:theme>
@@ -11499,7 +11723,7 @@
   <a:extraClrSchemeLst/>
   <a:extLst>
     <a:ext uri="{05A4C25C-085E-4340-85A3-A5531E510DB2}">
-      <thm15:themeFamily xmlns="" xmlns:thm15="http://schemas.microsoft.com/office/thememl/2012/main" name="Office Theme" id="{62F939B6-93AF-4DB8-9C6B-D6C7DFDC589F}" vid="{4A3C46E8-61CC-4603-A589-7422A47A8E4A}"/>
+      <thm15:themeFamily xmlns:thm15="http://schemas.microsoft.com/office/thememl/2012/main" name="Office Theme" id="{62F939B6-93AF-4DB8-9C6B-D6C7DFDC589F}" vid="{4A3C46E8-61CC-4603-A589-7422A47A8E4A}"/>
     </a:ext>
   </a:extLst>
 </a:theme>
